--- a/slides/5. Tools and Agents/1. Tools and agents.pptx
+++ b/slides/5. Tools and Agents/1. Tools and agents.pptx
@@ -211,7 +211,7 @@
           </a:lstStyle>
           <a:p>
             <a:fld id="{A0AD287E-D527-974B-B600-3E9121D74DD6}" type="datetimeFigureOut">
-              <a:t>30.09.2025</a:t>
+              <a:t>5.10.2025</a:t>
             </a:fld>
             <a:endParaRPr lang="pl-PL"/>
           </a:p>
@@ -656,7 +656,7 @@
           <a:p>
             <a:fld id="{C764DE79-268F-4C1A-8933-263129D2AF90}" type="datetimeFigureOut">
               <a:rPr lang="en-US" dirty="0"/>
-              <a:t>9/30/25</a:t>
+              <a:t>10/5/25</a:t>
             </a:fld>
             <a:endParaRPr lang="en-US" dirty="0"/>
           </a:p>
@@ -911,7 +911,7 @@
           <a:p>
             <a:fld id="{C764DE79-268F-4C1A-8933-263129D2AF90}" type="datetimeFigureOut">
               <a:rPr lang="en-US" dirty="0"/>
-              <a:t>9/30/25</a:t>
+              <a:t>10/5/25</a:t>
             </a:fld>
             <a:endParaRPr lang="en-US" dirty="0"/>
           </a:p>
@@ -1079,7 +1079,7 @@
           <a:p>
             <a:fld id="{C764DE79-268F-4C1A-8933-263129D2AF90}" type="datetimeFigureOut">
               <a:rPr lang="en-US" dirty="0"/>
-              <a:t>9/30/25</a:t>
+              <a:t>10/5/25</a:t>
             </a:fld>
             <a:endParaRPr lang="en-US" dirty="0"/>
           </a:p>
@@ -1257,7 +1257,7 @@
           <a:p>
             <a:fld id="{C764DE79-268F-4C1A-8933-263129D2AF90}" type="datetimeFigureOut">
               <a:rPr lang="en-US" dirty="0"/>
-              <a:t>9/30/25</a:t>
+              <a:t>10/5/25</a:t>
             </a:fld>
             <a:endParaRPr lang="en-US" dirty="0"/>
           </a:p>
@@ -1524,7 +1524,7 @@
           <a:p>
             <a:fld id="{C764DE79-268F-4C1A-8933-263129D2AF90}" type="datetimeFigureOut">
               <a:rPr lang="en-US" dirty="0"/>
-              <a:t>9/30/25</a:t>
+              <a:t>10/5/25</a:t>
             </a:fld>
             <a:endParaRPr lang="en-US" dirty="0"/>
           </a:p>
@@ -1769,7 +1769,7 @@
           <a:p>
             <a:fld id="{C764DE79-268F-4C1A-8933-263129D2AF90}" type="datetimeFigureOut">
               <a:rPr lang="en-US" dirty="0"/>
-              <a:t>9/30/25</a:t>
+              <a:t>10/5/25</a:t>
             </a:fld>
             <a:endParaRPr lang="en-US" dirty="0"/>
           </a:p>
@@ -2054,7 +2054,7 @@
           <a:p>
             <a:fld id="{C764DE79-268F-4C1A-8933-263129D2AF90}" type="datetimeFigureOut">
               <a:rPr lang="en-US" dirty="0"/>
-              <a:t>9/30/25</a:t>
+              <a:t>10/5/25</a:t>
             </a:fld>
             <a:endParaRPr lang="en-US" dirty="0"/>
           </a:p>
@@ -2473,7 +2473,7 @@
           <a:p>
             <a:fld id="{C764DE79-268F-4C1A-8933-263129D2AF90}" type="datetimeFigureOut">
               <a:rPr lang="en-US" dirty="0"/>
-              <a:t>9/30/25</a:t>
+              <a:t>10/5/25</a:t>
             </a:fld>
             <a:endParaRPr lang="en-US" dirty="0"/>
           </a:p>
@@ -2590,7 +2590,7 @@
           <a:p>
             <a:fld id="{C764DE79-268F-4C1A-8933-263129D2AF90}" type="datetimeFigureOut">
               <a:rPr lang="en-US" dirty="0"/>
-              <a:t>9/30/25</a:t>
+              <a:t>10/5/25</a:t>
             </a:fld>
             <a:endParaRPr lang="en-US" dirty="0"/>
           </a:p>
@@ -2685,7 +2685,7 @@
           <a:p>
             <a:fld id="{C764DE79-268F-4C1A-8933-263129D2AF90}" type="datetimeFigureOut">
               <a:rPr lang="en-US" dirty="0"/>
-              <a:t>9/30/25</a:t>
+              <a:t>10/5/25</a:t>
             </a:fld>
             <a:endParaRPr lang="en-US" dirty="0"/>
           </a:p>
@@ -2960,7 +2960,7 @@
           <a:p>
             <a:fld id="{C764DE79-268F-4C1A-8933-263129D2AF90}" type="datetimeFigureOut">
               <a:rPr lang="en-US" dirty="0"/>
-              <a:t>9/30/25</a:t>
+              <a:t>10/5/25</a:t>
             </a:fld>
             <a:endParaRPr lang="en-US" dirty="0"/>
           </a:p>
@@ -3270,7 +3270,7 @@
           <a:p>
             <a:fld id="{C764DE79-268F-4C1A-8933-263129D2AF90}" type="datetimeFigureOut">
               <a:rPr lang="en-US" dirty="0"/>
-              <a:t>9/30/25</a:t>
+              <a:t>10/5/25</a:t>
             </a:fld>
             <a:endParaRPr lang="en-US" dirty="0"/>
           </a:p>
